--- a/Setting/VSCode Setting.pptx
+++ b/Setting/VSCode Setting.pptx
@@ -6,8 +6,12 @@
   </p:sldMasterIdLst>
   <p:sldIdLst>
     <p:sldId id="256" r:id="rId2"/>
-    <p:sldId id="257" r:id="rId3"/>
-    <p:sldId id="258" r:id="rId4"/>
+    <p:sldId id="261" r:id="rId3"/>
+    <p:sldId id="257" r:id="rId4"/>
+    <p:sldId id="260" r:id="rId5"/>
+    <p:sldId id="259" r:id="rId6"/>
+    <p:sldId id="262" r:id="rId7"/>
+    <p:sldId id="258" r:id="rId8"/>
   </p:sldIdLst>
   <p:sldSz cx="12192000" cy="6858000"/>
   <p:notesSz cx="6858000" cy="9144000"/>
@@ -106,6 +110,11 @@
       </a:defRPr>
     </a:lvl9pPr>
   </p:defaultTextStyle>
+  <p:extLst>
+    <p:ext uri="{EFAFB233-063F-42B5-8137-9DF3F51BA10A}">
+      <p15:sldGuideLst xmlns:p15="http://schemas.microsoft.com/office/powerpoint/2012/main"/>
+    </p:ext>
+  </p:extLst>
 </p:presentation>
 </file>
 
@@ -240,7 +249,7 @@
           <a:p>
             <a:fld id="{632B4C25-F6B4-48D4-9FB6-754D545BF557}" type="datetimeFigureOut">
               <a:rPr lang="ko-KR" altLang="en-US" smtClean="0"/>
-              <a:t>2021-07-13</a:t>
+              <a:t>2021-07-14</a:t>
             </a:fld>
             <a:endParaRPr lang="ko-KR" altLang="en-US"/>
           </a:p>
@@ -410,7 +419,7 @@
           <a:p>
             <a:fld id="{632B4C25-F6B4-48D4-9FB6-754D545BF557}" type="datetimeFigureOut">
               <a:rPr lang="ko-KR" altLang="en-US" smtClean="0"/>
-              <a:t>2021-07-13</a:t>
+              <a:t>2021-07-14</a:t>
             </a:fld>
             <a:endParaRPr lang="ko-KR" altLang="en-US"/>
           </a:p>
@@ -590,7 +599,7 @@
           <a:p>
             <a:fld id="{632B4C25-F6B4-48D4-9FB6-754D545BF557}" type="datetimeFigureOut">
               <a:rPr lang="ko-KR" altLang="en-US" smtClean="0"/>
-              <a:t>2021-07-13</a:t>
+              <a:t>2021-07-14</a:t>
             </a:fld>
             <a:endParaRPr lang="ko-KR" altLang="en-US"/>
           </a:p>
@@ -760,7 +769,7 @@
           <a:p>
             <a:fld id="{632B4C25-F6B4-48D4-9FB6-754D545BF557}" type="datetimeFigureOut">
               <a:rPr lang="ko-KR" altLang="en-US" smtClean="0"/>
-              <a:t>2021-07-13</a:t>
+              <a:t>2021-07-14</a:t>
             </a:fld>
             <a:endParaRPr lang="ko-KR" altLang="en-US"/>
           </a:p>
@@ -1006,7 +1015,7 @@
           <a:p>
             <a:fld id="{632B4C25-F6B4-48D4-9FB6-754D545BF557}" type="datetimeFigureOut">
               <a:rPr lang="ko-KR" altLang="en-US" smtClean="0"/>
-              <a:t>2021-07-13</a:t>
+              <a:t>2021-07-14</a:t>
             </a:fld>
             <a:endParaRPr lang="ko-KR" altLang="en-US"/>
           </a:p>
@@ -1238,7 +1247,7 @@
           <a:p>
             <a:fld id="{632B4C25-F6B4-48D4-9FB6-754D545BF557}" type="datetimeFigureOut">
               <a:rPr lang="ko-KR" altLang="en-US" smtClean="0"/>
-              <a:t>2021-07-13</a:t>
+              <a:t>2021-07-14</a:t>
             </a:fld>
             <a:endParaRPr lang="ko-KR" altLang="en-US"/>
           </a:p>
@@ -1605,7 +1614,7 @@
           <a:p>
             <a:fld id="{632B4C25-F6B4-48D4-9FB6-754D545BF557}" type="datetimeFigureOut">
               <a:rPr lang="ko-KR" altLang="en-US" smtClean="0"/>
-              <a:t>2021-07-13</a:t>
+              <a:t>2021-07-14</a:t>
             </a:fld>
             <a:endParaRPr lang="ko-KR" altLang="en-US"/>
           </a:p>
@@ -1723,7 +1732,7 @@
           <a:p>
             <a:fld id="{632B4C25-F6B4-48D4-9FB6-754D545BF557}" type="datetimeFigureOut">
               <a:rPr lang="ko-KR" altLang="en-US" smtClean="0"/>
-              <a:t>2021-07-13</a:t>
+              <a:t>2021-07-14</a:t>
             </a:fld>
             <a:endParaRPr lang="ko-KR" altLang="en-US"/>
           </a:p>
@@ -1818,7 +1827,7 @@
           <a:p>
             <a:fld id="{632B4C25-F6B4-48D4-9FB6-754D545BF557}" type="datetimeFigureOut">
               <a:rPr lang="ko-KR" altLang="en-US" smtClean="0"/>
-              <a:t>2021-07-13</a:t>
+              <a:t>2021-07-14</a:t>
             </a:fld>
             <a:endParaRPr lang="ko-KR" altLang="en-US"/>
           </a:p>
@@ -2095,7 +2104,7 @@
           <a:p>
             <a:fld id="{632B4C25-F6B4-48D4-9FB6-754D545BF557}" type="datetimeFigureOut">
               <a:rPr lang="ko-KR" altLang="en-US" smtClean="0"/>
-              <a:t>2021-07-13</a:t>
+              <a:t>2021-07-14</a:t>
             </a:fld>
             <a:endParaRPr lang="ko-KR" altLang="en-US"/>
           </a:p>
@@ -2348,7 +2357,7 @@
           <a:p>
             <a:fld id="{632B4C25-F6B4-48D4-9FB6-754D545BF557}" type="datetimeFigureOut">
               <a:rPr lang="ko-KR" altLang="en-US" smtClean="0"/>
-              <a:t>2021-07-13</a:t>
+              <a:t>2021-07-14</a:t>
             </a:fld>
             <a:endParaRPr lang="ko-KR" altLang="en-US"/>
           </a:p>
@@ -2561,7 +2570,7 @@
           <a:p>
             <a:fld id="{632B4C25-F6B4-48D4-9FB6-754D545BF557}" type="datetimeFigureOut">
               <a:rPr lang="ko-KR" altLang="en-US" smtClean="0"/>
-              <a:t>2021-07-13</a:t>
+              <a:t>2021-07-14</a:t>
             </a:fld>
             <a:endParaRPr lang="ko-KR" altLang="en-US"/>
           </a:p>
@@ -2966,36 +2975,6 @@
           <a:chExt cx="0" cy="0"/>
         </a:xfrm>
       </p:grpSpPr>
-      <p:pic>
-        <p:nvPicPr>
-          <p:cNvPr id="9" name="그림 8"/>
-          <p:cNvPicPr>
-            <a:picLocks noChangeAspect="1"/>
-          </p:cNvPicPr>
-          <p:nvPr/>
-        </p:nvPicPr>
-        <p:blipFill>
-          <a:blip r:embed="rId2" cstate="print">
-            <a:extLst>
-              <a:ext uri="{28A0092B-C50C-407E-A947-70E740481C1C}">
-                <a14:useLocalDpi xmlns:a14="http://schemas.microsoft.com/office/drawing/2010/main" val="0"/>
-              </a:ext>
-            </a:extLst>
-          </a:blip>
-          <a:stretch>
-            <a:fillRect/>
-          </a:stretch>
-        </p:blipFill>
-        <p:spPr>
-          <a:xfrm>
-            <a:off x="2698173" y="1755777"/>
-            <a:ext cx="6795654" cy="3680979"/>
-          </a:xfrm>
-          <a:prstGeom prst="rect">
-            <a:avLst/>
-          </a:prstGeom>
-        </p:spPr>
-      </p:pic>
       <p:sp>
         <p:nvSpPr>
           <p:cNvPr id="6" name="TextBox 5"/>
@@ -3004,8 +2983,8 @@
         </p:nvSpPr>
         <p:spPr>
           <a:xfrm>
-            <a:off x="2707155" y="4714970"/>
-            <a:ext cx="6777689" cy="1077218"/>
+            <a:off x="3002204" y="2649139"/>
+            <a:ext cx="6115457" cy="1815882"/>
           </a:xfrm>
           <a:prstGeom prst="rect">
             <a:avLst/>
@@ -3020,70 +2999,171 @@
           <a:p>
             <a:r>
               <a:rPr lang="en-US" altLang="ko-KR" sz="1600" dirty="0" smtClean="0"/>
-              <a:t>GitHub Repository </a:t>
+              <a:t>0. </a:t>
+            </a:r>
+            <a:r>
+              <a:rPr lang="en-US" altLang="ko-KR" sz="1600" dirty="0" smtClean="0"/>
+              <a:t>GitHub </a:t>
+            </a:r>
+            <a:r>
+              <a:rPr lang="ko-KR" altLang="en-US" sz="1600" dirty="0" smtClean="0"/>
+              <a:t>회원가입</a:t>
+            </a:r>
+            <a:endParaRPr lang="en-US" altLang="ko-KR" sz="1600" dirty="0" smtClean="0"/>
+          </a:p>
+          <a:p>
+            <a:r>
+              <a:rPr lang="en-US" altLang="ko-KR" sz="1600" dirty="0" smtClean="0"/>
+              <a:t>1. </a:t>
+            </a:r>
+            <a:r>
+              <a:rPr lang="en-US" altLang="ko-KR" sz="1600" dirty="0" err="1" smtClean="0"/>
+              <a:t>Git</a:t>
+            </a:r>
+            <a:r>
+              <a:rPr lang="en-US" altLang="ko-KR" sz="1600" dirty="0" smtClean="0"/>
+              <a:t> </a:t>
+            </a:r>
+            <a:r>
+              <a:rPr lang="ko-KR" altLang="en-US" sz="1600" dirty="0" smtClean="0"/>
+              <a:t>다운로드 링크 </a:t>
+            </a:r>
+            <a:r>
+              <a:rPr lang="en-US" altLang="ko-KR" sz="1600" dirty="0" smtClean="0"/>
+              <a:t>&gt; </a:t>
+            </a:r>
+            <a:r>
+              <a:rPr lang="en-US" altLang="ko-KR" sz="1600" dirty="0" smtClean="0">
+                <a:hlinkClick r:id="rId2"/>
+              </a:rPr>
+              <a:t>https://git-scm.com</a:t>
+            </a:r>
+            <a:endParaRPr lang="en-US" altLang="ko-KR" sz="1600" dirty="0" smtClean="0"/>
+          </a:p>
+          <a:p>
+            <a:r>
+              <a:rPr lang="en-US" altLang="ko-KR" sz="1600" dirty="0" smtClean="0"/>
+              <a:t>2. </a:t>
+            </a:r>
+            <a:r>
+              <a:rPr lang="en-US" altLang="ko-KR" sz="1600" dirty="0" err="1" smtClean="0"/>
+              <a:t>VSCode</a:t>
+            </a:r>
+            <a:r>
+              <a:rPr lang="en-US" altLang="ko-KR" sz="1600" dirty="0" smtClean="0"/>
+              <a:t> </a:t>
+            </a:r>
+            <a:r>
+              <a:rPr lang="ko-KR" altLang="en-US" sz="1600" dirty="0"/>
+              <a:t>다운로드 </a:t>
             </a:r>
             <a:r>
               <a:rPr lang="ko-KR" altLang="en-US" sz="1600" dirty="0" smtClean="0"/>
               <a:t>링크 </a:t>
             </a:r>
             <a:r>
-              <a:rPr lang="en-US" altLang="ko-KR" sz="1600" dirty="0" smtClean="0"/>
-              <a:t>&gt; https://github.com/mnew2m/PJT_Sample.git</a:t>
+              <a:rPr lang="en-US" altLang="ko-KR" sz="1600" dirty="0"/>
+              <a:t>&gt; </a:t>
+            </a:r>
+            <a:r>
+              <a:rPr lang="en-US" altLang="ko-KR" sz="1600" dirty="0">
+                <a:hlinkClick r:id="rId3"/>
+              </a:rPr>
+              <a:t>https://</a:t>
+            </a:r>
+            <a:r>
+              <a:rPr lang="en-US" altLang="ko-KR" sz="1600" dirty="0" smtClean="0">
+                <a:hlinkClick r:id="rId3"/>
+              </a:rPr>
+              <a:t>code.visualstudio.com</a:t>
             </a:r>
             <a:endParaRPr lang="en-US" altLang="ko-KR" sz="1600" dirty="0" smtClean="0"/>
           </a:p>
           <a:p>
             <a:r>
-              <a:rPr lang="en-US" altLang="ko-KR" sz="1600" dirty="0" err="1" smtClean="0"/>
-              <a:t>VSCode</a:t>
-            </a:r>
-            <a:r>
-              <a:rPr lang="en-US" altLang="ko-KR" sz="1600" dirty="0" smtClean="0"/>
-              <a:t> </a:t>
+              <a:rPr lang="en-US" altLang="ko-KR" sz="1600" dirty="0" smtClean="0"/>
+              <a:t>3. Node.js </a:t>
+            </a:r>
+            <a:r>
+              <a:rPr lang="ko-KR" altLang="en-US" sz="1600" dirty="0"/>
+              <a:t>다운로드 </a:t>
             </a:r>
             <a:r>
               <a:rPr lang="ko-KR" altLang="en-US" sz="1600" dirty="0" smtClean="0"/>
-              <a:t>다운로드  링크 </a:t>
-            </a:r>
-            <a:r>
-              <a:rPr lang="en-US" altLang="ko-KR" sz="1600" dirty="0" smtClean="0"/>
-              <a:t>&gt; https://code.visualstudio.com</a:t>
-            </a:r>
-          </a:p>
-          <a:p>
-            <a:r>
-              <a:rPr lang="en-US" altLang="ko-KR" sz="1600" dirty="0" smtClean="0"/>
+              <a:t>링크 </a:t>
+            </a:r>
+            <a:r>
+              <a:rPr lang="en-US" altLang="ko-KR" sz="1600" dirty="0" smtClean="0"/>
+              <a:t>&gt; </a:t>
+            </a:r>
+            <a:r>
+              <a:rPr lang="en-US" altLang="ko-KR" sz="1600" dirty="0">
+                <a:hlinkClick r:id="rId4"/>
+              </a:rPr>
+              <a:t>https://</a:t>
+            </a:r>
+            <a:r>
+              <a:rPr lang="en-US" altLang="ko-KR" sz="1600" dirty="0" smtClean="0">
+                <a:hlinkClick r:id="rId4"/>
+              </a:rPr>
+              <a:t>nodejs.org</a:t>
+            </a:r>
+            <a:endParaRPr lang="en-US" altLang="ko-KR" sz="1600" dirty="0" smtClean="0"/>
+          </a:p>
+          <a:p>
+            <a:r>
+              <a:rPr lang="ko-KR" altLang="en-US" sz="1600" dirty="0" smtClean="0"/>
+              <a:t>     </a:t>
+            </a:r>
+            <a:r>
+              <a:rPr lang="ko-KR" altLang="en-US" sz="1600" dirty="0"/>
+              <a:t>→ </a:t>
+            </a:r>
+            <a:r>
+              <a:rPr lang="en-US" altLang="ko-KR" sz="1600" dirty="0"/>
+              <a:t>NPM</a:t>
+            </a:r>
+            <a:r>
+              <a:rPr lang="ko-KR" altLang="en-US" sz="1600" dirty="0"/>
+              <a:t>은 </a:t>
+            </a:r>
+            <a:r>
+              <a:rPr lang="en-US" altLang="ko-KR" sz="1600" dirty="0"/>
               <a:t>Node.js </a:t>
             </a:r>
             <a:r>
+              <a:rPr lang="ko-KR" altLang="en-US" sz="1600" dirty="0"/>
+              <a:t>설치 과정에서 같이 </a:t>
+            </a:r>
+            <a:r>
               <a:rPr lang="ko-KR" altLang="en-US" sz="1600" dirty="0" smtClean="0"/>
-              <a:t>다운로드  링크 </a:t>
-            </a:r>
-            <a:r>
-              <a:rPr lang="en-US" altLang="ko-KR" sz="1600" dirty="0" smtClean="0"/>
-              <a:t>&gt; https://nodejs.org</a:t>
-            </a:r>
+              <a:t>설치됨</a:t>
+            </a:r>
+            <a:endParaRPr lang="en-US" altLang="ko-KR" sz="1600" dirty="0" smtClean="0"/>
+          </a:p>
+          <a:p>
+            <a:endParaRPr lang="en-US" altLang="ko-KR" sz="1600" dirty="0"/>
           </a:p>
           <a:p>
             <a:r>
               <a:rPr lang="ko-KR" altLang="en-US" sz="1600" dirty="0" smtClean="0"/>
-              <a:t>     → </a:t>
-            </a:r>
-            <a:r>
-              <a:rPr lang="en-US" altLang="ko-KR" sz="1600" dirty="0" smtClean="0"/>
-              <a:t>NPM</a:t>
+              <a:t>→ </a:t>
+            </a:r>
+            <a:r>
+              <a:rPr lang="ko-KR" altLang="en-US" sz="1600" dirty="0" err="1" smtClean="0"/>
+              <a:t>세개</a:t>
             </a:r>
             <a:r>
               <a:rPr lang="ko-KR" altLang="en-US" sz="1600" dirty="0" smtClean="0"/>
-              <a:t>은 </a:t>
-            </a:r>
-            <a:r>
-              <a:rPr lang="en-US" altLang="ko-KR" sz="1600" dirty="0" smtClean="0"/>
-              <a:t>Node.js </a:t>
+              <a:t> 다 설치 과정에서 따로 설정할건 없고 </a:t>
+            </a:r>
+            <a:r>
+              <a:rPr lang="en-US" altLang="ko-KR" sz="1600" dirty="0" smtClean="0"/>
+              <a:t>NEXT</a:t>
             </a:r>
             <a:r>
               <a:rPr lang="ko-KR" altLang="en-US" sz="1600" dirty="0" smtClean="0"/>
-              <a:t>설치 과정에서 같이 설치됨</a:t>
+              <a:t>만 누르면 됨</a:t>
             </a:r>
             <a:endParaRPr lang="en-US" altLang="ko-KR" sz="1600" dirty="0" smtClean="0"/>
           </a:p>
@@ -3139,7 +3219,15 @@
                   <a:schemeClr val="tx1"/>
                 </a:solidFill>
               </a:rPr>
-              <a:t>  01. </a:t>
+              <a:t>  </a:t>
+            </a:r>
+            <a:r>
+              <a:rPr lang="en-US" altLang="ko-KR" sz="2000" b="1" dirty="0" smtClean="0">
+                <a:solidFill>
+                  <a:schemeClr val="tx1"/>
+                </a:solidFill>
+              </a:rPr>
+              <a:t>00. </a:t>
             </a:r>
             <a:r>
               <a:rPr lang="ko-KR" altLang="en-US" sz="2000" b="1" dirty="0" smtClean="0">
@@ -3147,23 +3235,7 @@
                   <a:schemeClr val="tx1"/>
                 </a:solidFill>
               </a:rPr>
-              <a:t>다운로드</a:t>
-            </a:r>
-            <a:r>
-              <a:rPr lang="en-US" altLang="ko-KR" sz="2000" b="1" dirty="0" smtClean="0">
-                <a:solidFill>
-                  <a:schemeClr val="tx1"/>
-                </a:solidFill>
-              </a:rPr>
-              <a:t> | Repository </a:t>
-            </a:r>
-            <a:r>
-              <a:rPr lang="ko-KR" altLang="en-US" sz="2000" b="1" dirty="0" smtClean="0">
-                <a:solidFill>
-                  <a:schemeClr val="tx1"/>
-                </a:solidFill>
-              </a:rPr>
-              <a:t>링크</a:t>
+              <a:t>다운로드 링크</a:t>
             </a:r>
             <a:endParaRPr lang="ko-KR" altLang="en-US" sz="2000" b="1" dirty="0">
               <a:solidFill>
@@ -3205,7 +3277,7 @@
       </p:grpSpPr>
       <p:sp>
         <p:nvSpPr>
-          <p:cNvPr id="7" name="직사각형 6"/>
+          <p:cNvPr id="8" name="직사각형 7"/>
           <p:cNvSpPr/>
           <p:nvPr/>
         </p:nvSpPr>
@@ -3253,7 +3325,7 @@
                   <a:schemeClr val="tx1"/>
                 </a:solidFill>
               </a:rPr>
-              <a:t>  02. </a:t>
+              <a:t>  01. </a:t>
             </a:r>
             <a:r>
               <a:rPr lang="en-US" altLang="ko-KR" sz="2000" b="1" dirty="0" err="1" smtClean="0">
@@ -3261,15 +3333,7 @@
                   <a:schemeClr val="tx1"/>
                 </a:solidFill>
               </a:rPr>
-              <a:t>VSCode</a:t>
-            </a:r>
-            <a:r>
-              <a:rPr lang="en-US" altLang="ko-KR" sz="2000" b="1" dirty="0">
-                <a:solidFill>
-                  <a:schemeClr val="tx1"/>
-                </a:solidFill>
-              </a:rPr>
-              <a:t> </a:t>
+              <a:t>Git</a:t>
             </a:r>
             <a:r>
               <a:rPr lang="en-US" altLang="ko-KR" sz="2000" b="1" dirty="0" smtClean="0">
@@ -3277,7 +3341,7 @@
                   <a:schemeClr val="tx1"/>
                 </a:solidFill>
               </a:rPr>
-              <a:t>GitHub </a:t>
+              <a:t> Bash </a:t>
             </a:r>
             <a:r>
               <a:rPr lang="ko-KR" altLang="en-US" sz="2000" b="1" dirty="0" smtClean="0">
@@ -3285,33 +3349,9 @@
                   <a:schemeClr val="tx1"/>
                 </a:solidFill>
               </a:rPr>
-              <a:t>연동 </a:t>
-            </a:r>
-            <a:r>
-              <a:rPr lang="en-US" altLang="ko-KR" sz="2000" b="1" dirty="0" smtClean="0">
-                <a:solidFill>
-                  <a:schemeClr val="tx1"/>
-                </a:solidFill>
-              </a:rPr>
-              <a:t>| </a:t>
-            </a:r>
-            <a:r>
-              <a:rPr lang="en-US" altLang="ko-KR" sz="2000" b="1" dirty="0" err="1" smtClean="0">
-                <a:solidFill>
-                  <a:schemeClr val="tx1"/>
-                </a:solidFill>
-              </a:rPr>
-              <a:t>VSCode</a:t>
-            </a:r>
-            <a:r>
-              <a:rPr lang="en-US" altLang="ko-KR" sz="2000" b="1" dirty="0" smtClean="0">
-                <a:solidFill>
-                  <a:schemeClr val="tx1"/>
-                </a:solidFill>
-              </a:rPr>
-              <a:t> Terminal</a:t>
-            </a:r>
-            <a:endParaRPr lang="ko-KR" altLang="en-US" sz="2000" b="1" dirty="0" smtClean="0">
+              <a:t>설정</a:t>
+            </a:r>
+            <a:endParaRPr lang="ko-KR" altLang="en-US" sz="2000" b="1" dirty="0">
               <a:solidFill>
                 <a:schemeClr val="tx1"/>
               </a:solidFill>
@@ -3321,7 +3361,7 @@
       </p:sp>
       <p:pic>
         <p:nvPicPr>
-          <p:cNvPr id="8" name="그림 7"/>
+          <p:cNvPr id="2" name="그림 1"/>
           <p:cNvPicPr>
             <a:picLocks noChangeAspect="1"/>
           </p:cNvPicPr>
@@ -3341,54 +3381,24 @@
         </p:blipFill>
         <p:spPr>
           <a:xfrm>
-            <a:off x="1010183" y="2069120"/>
-            <a:ext cx="5398237" cy="1137822"/>
+            <a:off x="546149" y="1300794"/>
+            <a:ext cx="6845252" cy="4591691"/>
           </a:xfrm>
           <a:prstGeom prst="rect">
             <a:avLst/>
           </a:prstGeom>
         </p:spPr>
       </p:pic>
-      <p:pic>
-        <p:nvPicPr>
-          <p:cNvPr id="9" name="그림 8"/>
-          <p:cNvPicPr>
-            <a:picLocks noChangeAspect="1"/>
-          </p:cNvPicPr>
+      <p:sp>
+        <p:nvSpPr>
+          <p:cNvPr id="5" name="TextBox 4"/>
+          <p:cNvSpPr txBox="1"/>
           <p:nvPr/>
-        </p:nvPicPr>
-        <p:blipFill>
-          <a:blip r:embed="rId3">
-            <a:extLst>
-              <a:ext uri="{28A0092B-C50C-407E-A947-70E740481C1C}">
-                <a14:useLocalDpi xmlns:a14="http://schemas.microsoft.com/office/drawing/2010/main" val="0"/>
-              </a:ext>
-            </a:extLst>
-          </a:blip>
-          <a:stretch>
-            <a:fillRect/>
-          </a:stretch>
-        </p:blipFill>
+        </p:nvSpPr>
         <p:spPr>
           <a:xfrm>
-            <a:off x="1010183" y="3206942"/>
-            <a:ext cx="5398237" cy="1131470"/>
-          </a:xfrm>
-          <a:prstGeom prst="rect">
-            <a:avLst/>
-          </a:prstGeom>
-        </p:spPr>
-      </p:pic>
-      <p:sp>
-        <p:nvSpPr>
-          <p:cNvPr id="11" name="TextBox 10"/>
-          <p:cNvSpPr txBox="1"/>
-          <p:nvPr/>
-        </p:nvSpPr>
-        <p:spPr>
-          <a:xfrm>
-            <a:off x="1010183" y="4497885"/>
-            <a:ext cx="5579733" cy="830997"/>
+            <a:off x="7520941" y="2073145"/>
+            <a:ext cx="4217821" cy="3046988"/>
           </a:xfrm>
           <a:prstGeom prst="rect">
             <a:avLst/>
@@ -3401,12 +3411,31 @@
           </a:bodyPr>
           <a:lstStyle/>
           <a:p>
-            <a:pPr marL="342900" indent="-342900">
-              <a:buAutoNum type="arabicPeriod"/>
-            </a:pPr>
+            <a:r>
+              <a:rPr lang="en-US" altLang="ko-KR" sz="1600" dirty="0" smtClean="0"/>
+              <a:t>1. </a:t>
+            </a:r>
             <a:r>
               <a:rPr lang="en-US" altLang="ko-KR" sz="1600" dirty="0" err="1" smtClean="0"/>
-              <a:t>VSCode</a:t>
+              <a:t>git</a:t>
+            </a:r>
+            <a:r>
+              <a:rPr lang="en-US" altLang="ko-KR" sz="1600" dirty="0" smtClean="0"/>
+              <a:t> --version</a:t>
+            </a:r>
+          </a:p>
+          <a:p>
+            <a:r>
+              <a:rPr lang="en-US" altLang="ko-KR" sz="1600" dirty="0" smtClean="0"/>
+              <a:t>   </a:t>
+            </a:r>
+            <a:r>
+              <a:rPr lang="ko-KR" altLang="en-US" sz="1600" dirty="0"/>
+              <a:t>→ </a:t>
+            </a:r>
+            <a:r>
+              <a:rPr lang="en-US" altLang="ko-KR" sz="1600" dirty="0" err="1" smtClean="0"/>
+              <a:t>git</a:t>
             </a:r>
             <a:r>
               <a:rPr lang="en-US" altLang="ko-KR" sz="1600" dirty="0" smtClean="0"/>
@@ -3414,167 +3443,223 @@
             </a:r>
             <a:r>
               <a:rPr lang="ko-KR" altLang="en-US" sz="1600" dirty="0" smtClean="0"/>
-              <a:t>실행 후 </a:t>
-            </a:r>
-            <a:r>
-              <a:rPr lang="en-US" altLang="ko-KR" sz="1600" dirty="0" smtClean="0"/>
-              <a:t>Ctrl + shift + P</a:t>
-            </a:r>
-          </a:p>
-          <a:p>
-            <a:pPr marL="342900" indent="-342900">
-              <a:buAutoNum type="arabicPeriod"/>
-            </a:pPr>
+              <a:t>버전 확인</a:t>
+            </a:r>
+            <a:endParaRPr lang="en-US" altLang="ko-KR" sz="1600" dirty="0" smtClean="0"/>
+          </a:p>
+          <a:p>
+            <a:r>
+              <a:rPr lang="en-US" altLang="ko-KR" sz="1600" dirty="0" smtClean="0"/>
+              <a:t>2. </a:t>
+            </a:r>
             <a:r>
               <a:rPr lang="en-US" altLang="ko-KR" sz="1600" dirty="0" err="1" smtClean="0"/>
-              <a:t>Git</a:t>
-            </a:r>
-            <a:r>
-              <a:rPr lang="en-US" altLang="ko-KR" sz="1600" dirty="0" smtClean="0"/>
-              <a:t>: Clone</a:t>
+              <a:t>git</a:t>
+            </a:r>
+            <a:r>
+              <a:rPr lang="en-US" altLang="ko-KR" sz="1600" dirty="0" smtClean="0"/>
+              <a:t> </a:t>
+            </a:r>
+            <a:r>
+              <a:rPr lang="en-US" altLang="ko-KR" sz="1600" dirty="0" err="1" smtClean="0"/>
+              <a:t>config</a:t>
+            </a:r>
+            <a:r>
+              <a:rPr lang="en-US" altLang="ko-KR" sz="1600" dirty="0" smtClean="0"/>
+              <a:t> --global user.name “</a:t>
             </a:r>
             <a:r>
               <a:rPr lang="ko-KR" altLang="en-US" sz="1600" dirty="0" smtClean="0"/>
-              <a:t>을 누르고 해당하는 </a:t>
-            </a:r>
-            <a:r>
-              <a:rPr lang="en-US" altLang="ko-KR" sz="1600" dirty="0" smtClean="0"/>
-              <a:t>GitHub </a:t>
-            </a:r>
-            <a:r>
-              <a:rPr lang="en-US" altLang="ko-KR" sz="1600" dirty="0" smtClean="0"/>
-              <a:t>Repository </a:t>
+              <a:t>이름</a:t>
+            </a:r>
+            <a:r>
+              <a:rPr lang="en-US" altLang="ko-KR" sz="1600" dirty="0" smtClean="0"/>
+              <a:t>”</a:t>
+            </a:r>
+          </a:p>
+          <a:p>
+            <a:r>
+              <a:rPr lang="en-US" altLang="ko-KR" sz="1600" dirty="0" smtClean="0"/>
+              <a:t>   </a:t>
             </a:r>
             <a:r>
               <a:rPr lang="ko-KR" altLang="en-US" sz="1600" dirty="0" smtClean="0"/>
-              <a:t>입력</a:t>
+              <a:t>→ 사용자 이름 등록</a:t>
             </a:r>
             <a:endParaRPr lang="en-US" altLang="ko-KR" sz="1600" dirty="0" smtClean="0"/>
           </a:p>
           <a:p>
-            <a:pPr marL="342900" indent="-342900">
-              <a:buAutoNum type="arabicPeriod"/>
-            </a:pPr>
+            <a:r>
+              <a:rPr lang="en-US" altLang="ko-KR" sz="1600" dirty="0" smtClean="0"/>
+              <a:t>3. </a:t>
+            </a:r>
+            <a:r>
+              <a:rPr lang="en-US" altLang="ko-KR" sz="1600" dirty="0" err="1"/>
+              <a:t>g</a:t>
+            </a:r>
+            <a:r>
+              <a:rPr lang="en-US" altLang="ko-KR" sz="1600" dirty="0" err="1" smtClean="0"/>
+              <a:t>it</a:t>
+            </a:r>
+            <a:r>
+              <a:rPr lang="en-US" altLang="ko-KR" sz="1600" dirty="0" smtClean="0"/>
+              <a:t> </a:t>
+            </a:r>
+            <a:r>
+              <a:rPr lang="en-US" altLang="ko-KR" sz="1600" dirty="0" err="1" smtClean="0"/>
+              <a:t>config</a:t>
+            </a:r>
+            <a:r>
+              <a:rPr lang="en-US" altLang="ko-KR" sz="1600" dirty="0" smtClean="0"/>
+              <a:t> --global </a:t>
+            </a:r>
+            <a:r>
+              <a:rPr lang="en-US" altLang="ko-KR" sz="1600" dirty="0" err="1" smtClean="0"/>
+              <a:t>user.email</a:t>
+            </a:r>
+            <a:r>
+              <a:rPr lang="en-US" altLang="ko-KR" sz="1600" dirty="0" smtClean="0"/>
+              <a:t> “</a:t>
+            </a:r>
+            <a:r>
+              <a:rPr lang="ko-KR" altLang="en-US" sz="1600" dirty="0" err="1" smtClean="0"/>
+              <a:t>이메일</a:t>
+            </a:r>
+            <a:r>
+              <a:rPr lang="en-US" altLang="ko-KR" sz="1600" dirty="0" smtClean="0"/>
+              <a:t>”</a:t>
+            </a:r>
+          </a:p>
+          <a:p>
+            <a:r>
+              <a:rPr lang="en-US" altLang="ko-KR" sz="1600" dirty="0" smtClean="0"/>
+              <a:t>   </a:t>
+            </a:r>
+            <a:r>
+              <a:rPr lang="ko-KR" altLang="en-US" sz="1600" dirty="0"/>
+              <a:t>→ </a:t>
+            </a:r>
             <a:r>
               <a:rPr lang="ko-KR" altLang="en-US" sz="1600" dirty="0" smtClean="0"/>
-              <a:t>컴퓨터 내에 작업할 폴더 경로를 선택하면 연동됨</a:t>
-            </a:r>
-            <a:endParaRPr lang="ko-KR" altLang="en-US" sz="1600" dirty="0"/>
-          </a:p>
-        </p:txBody>
-      </p:sp>
-      <p:pic>
-        <p:nvPicPr>
-          <p:cNvPr id="13" name="그림 12"/>
-          <p:cNvPicPr>
-            <a:picLocks noChangeAspect="1"/>
-          </p:cNvPicPr>
-          <p:nvPr/>
-        </p:nvPicPr>
-        <p:blipFill>
-          <a:blip r:embed="rId4">
-            <a:extLst>
-              <a:ext uri="{28A0092B-C50C-407E-A947-70E740481C1C}">
-                <a14:useLocalDpi xmlns:a14="http://schemas.microsoft.com/office/drawing/2010/main" val="0"/>
-              </a:ext>
-            </a:extLst>
-          </a:blip>
-          <a:stretch>
-            <a:fillRect/>
-          </a:stretch>
-        </p:blipFill>
-        <p:spPr>
-          <a:xfrm>
-            <a:off x="6958663" y="2356935"/>
-            <a:ext cx="4324954" cy="1981477"/>
-          </a:xfrm>
-          <a:prstGeom prst="rect">
-            <a:avLst/>
-          </a:prstGeom>
-        </p:spPr>
-      </p:pic>
-      <p:sp>
-        <p:nvSpPr>
-          <p:cNvPr id="14" name="TextBox 13"/>
-          <p:cNvSpPr txBox="1"/>
-          <p:nvPr/>
-        </p:nvSpPr>
-        <p:spPr>
-          <a:xfrm>
-            <a:off x="7393167" y="4490812"/>
-            <a:ext cx="3600216" cy="830997"/>
-          </a:xfrm>
-          <a:prstGeom prst="rect">
-            <a:avLst/>
-          </a:prstGeom>
-          <a:noFill/>
-        </p:spPr>
-        <p:txBody>
-          <a:bodyPr wrap="none" rtlCol="0">
-            <a:spAutoFit/>
-          </a:bodyPr>
-          <a:lstStyle/>
-          <a:p>
-            <a:pPr marL="342900" indent="-342900">
-              <a:buAutoNum type="arabicPeriod"/>
-            </a:pPr>
+              <a:t>사용자 </a:t>
+            </a:r>
+            <a:r>
+              <a:rPr lang="ko-KR" altLang="en-US" sz="1600" dirty="0" err="1" smtClean="0"/>
+              <a:t>이메일</a:t>
+            </a:r>
+            <a:r>
+              <a:rPr lang="ko-KR" altLang="en-US" sz="1600" dirty="0" smtClean="0"/>
+              <a:t> 등록</a:t>
+            </a:r>
+            <a:endParaRPr lang="en-US" altLang="ko-KR" sz="1600" dirty="0" smtClean="0"/>
+          </a:p>
+          <a:p>
+            <a:r>
+              <a:rPr lang="en-US" altLang="ko-KR" sz="1600" dirty="0" smtClean="0"/>
+              <a:t>4. </a:t>
+            </a:r>
             <a:r>
               <a:rPr lang="en-US" altLang="ko-KR" sz="1600" dirty="0" err="1" smtClean="0"/>
-              <a:t>VSCode</a:t>
-            </a:r>
-            <a:r>
-              <a:rPr lang="en-US" altLang="ko-KR" sz="1600" dirty="0" smtClean="0"/>
-              <a:t> Terminal </a:t>
+              <a:t>git</a:t>
+            </a:r>
+            <a:r>
+              <a:rPr lang="en-US" altLang="ko-KR" sz="1600" dirty="0" smtClean="0"/>
+              <a:t> </a:t>
+            </a:r>
+            <a:r>
+              <a:rPr lang="en-US" altLang="ko-KR" sz="1600" dirty="0" err="1" smtClean="0"/>
+              <a:t>config</a:t>
+            </a:r>
+            <a:r>
+              <a:rPr lang="en-US" altLang="ko-KR" sz="1600" dirty="0" smtClean="0"/>
+              <a:t> --list</a:t>
+            </a:r>
+          </a:p>
+          <a:p>
+            <a:r>
+              <a:rPr lang="en-US" altLang="ko-KR" sz="1600" dirty="0"/>
+              <a:t> </a:t>
+            </a:r>
+            <a:r>
+              <a:rPr lang="en-US" altLang="ko-KR" sz="1600" dirty="0" smtClean="0"/>
+              <a:t>  </a:t>
             </a:r>
             <a:r>
               <a:rPr lang="ko-KR" altLang="en-US" sz="1600" dirty="0" smtClean="0"/>
-              <a:t>열기 </a:t>
-            </a:r>
-            <a:r>
-              <a:rPr lang="en-US" altLang="ko-KR" sz="1600" dirty="0" smtClean="0"/>
-              <a:t>( Ctrl + ` )</a:t>
-            </a:r>
-          </a:p>
-          <a:p>
-            <a:pPr marL="342900" indent="-342900">
-              <a:buAutoNum type="arabicPeriod"/>
-            </a:pPr>
-            <a:r>
-              <a:rPr lang="en-US" altLang="ko-KR" sz="1600" dirty="0"/>
-              <a:t>n</a:t>
-            </a:r>
-            <a:r>
-              <a:rPr lang="en-US" altLang="ko-KR" sz="1600" dirty="0" smtClean="0"/>
-              <a:t>ode app </a:t>
+              <a:t>→ 등록된 정보 </a:t>
+            </a:r>
+            <a:r>
+              <a:rPr lang="en-US" altLang="ko-KR" sz="1600" dirty="0" smtClean="0"/>
+              <a:t>(</a:t>
             </a:r>
             <a:r>
               <a:rPr lang="ko-KR" altLang="en-US" sz="1600" dirty="0" smtClean="0"/>
-              <a:t>입력</a:t>
-            </a:r>
+              <a:t>이름</a:t>
+            </a:r>
+            <a:r>
+              <a:rPr lang="en-US" altLang="ko-KR" sz="1600" dirty="0" smtClean="0"/>
+              <a:t>, </a:t>
+            </a:r>
+            <a:r>
+              <a:rPr lang="ko-KR" altLang="en-US" sz="1600" dirty="0" err="1" smtClean="0"/>
+              <a:t>이메일</a:t>
+            </a:r>
+            <a:r>
+              <a:rPr lang="ko-KR" altLang="en-US" sz="1600" dirty="0" smtClean="0"/>
+              <a:t> 확인 가능</a:t>
+            </a:r>
+            <a:r>
+              <a:rPr lang="en-US" altLang="ko-KR" sz="1600" dirty="0" smtClean="0"/>
+              <a:t>)</a:t>
+            </a:r>
+            <a:endParaRPr lang="en-US" altLang="ko-KR" sz="1600" dirty="0"/>
+          </a:p>
+          <a:p>
             <a:endParaRPr lang="en-US" altLang="ko-KR" sz="1600" dirty="0" smtClean="0"/>
           </a:p>
           <a:p>
-            <a:pPr marL="342900" indent="-342900">
-              <a:buAutoNum type="arabicPeriod"/>
-            </a:pPr>
-            <a:r>
-              <a:rPr lang="en-US" altLang="ko-KR" sz="1600" dirty="0" smtClean="0">
-                <a:hlinkClick r:id="rId5"/>
-              </a:rPr>
-              <a:t>localhost:8080</a:t>
-            </a:r>
+            <a:endParaRPr lang="en-US" altLang="ko-KR" sz="1600" dirty="0" smtClean="0"/>
+          </a:p>
+          <a:p>
             <a:r>
               <a:rPr lang="ko-KR" altLang="en-US" sz="1600" dirty="0" smtClean="0"/>
-              <a:t>으로 접속</a:t>
-            </a:r>
-            <a:endParaRPr lang="ko-KR" altLang="en-US" sz="1600" dirty="0"/>
+              <a:t>설정을 해줘야 </a:t>
+            </a:r>
+            <a:r>
+              <a:rPr lang="en-US" altLang="ko-KR" sz="1600" dirty="0" err="1" smtClean="0"/>
+              <a:t>vscode</a:t>
+            </a:r>
+            <a:r>
+              <a:rPr lang="en-US" altLang="ko-KR" sz="1600" dirty="0" smtClean="0"/>
+              <a:t> </a:t>
+            </a:r>
+            <a:r>
+              <a:rPr lang="ko-KR" altLang="en-US" sz="1600" dirty="0" smtClean="0"/>
+              <a:t>실행하면</a:t>
+            </a:r>
+            <a:endParaRPr lang="en-US" altLang="ko-KR" sz="1600" dirty="0" smtClean="0"/>
+          </a:p>
+          <a:p>
+            <a:r>
+              <a:rPr lang="ko-KR" altLang="en-US" sz="1600" dirty="0" smtClean="0"/>
+              <a:t>자동으로 </a:t>
+            </a:r>
+            <a:r>
+              <a:rPr lang="en-US" altLang="ko-KR" sz="1600" dirty="0" err="1" smtClean="0"/>
+              <a:t>git</a:t>
+            </a:r>
+            <a:r>
+              <a:rPr lang="ko-KR" altLang="en-US" sz="1600" dirty="0" smtClean="0"/>
+              <a:t>을 찾아줘서 기능을 쓸 수 있음</a:t>
+            </a:r>
+            <a:endParaRPr lang="en-US" altLang="ko-KR" sz="1600" dirty="0" smtClean="0"/>
           </a:p>
         </p:txBody>
       </p:sp>
     </p:spTree>
     <p:extLst>
       <p:ext uri="{BB962C8B-B14F-4D97-AF65-F5344CB8AC3E}">
-        <p14:creationId xmlns:p14="http://schemas.microsoft.com/office/powerpoint/2010/main" val="2410860776"/>
+        <p14:creationId xmlns:p14="http://schemas.microsoft.com/office/powerpoint/2010/main" val="2535948702"/>
       </p:ext>
     </p:extLst>
   </p:cSld>
@@ -3651,7 +3736,7 @@
                   <a:schemeClr val="tx1"/>
                 </a:solidFill>
               </a:rPr>
-              <a:t>  03. </a:t>
+              <a:t>  02. </a:t>
             </a:r>
             <a:r>
               <a:rPr lang="en-US" altLang="ko-KR" sz="2000" b="1" dirty="0" err="1" smtClean="0">
@@ -3662,12 +3747,1171 @@
               <a:t>VSCode</a:t>
             </a:r>
             <a:r>
+              <a:rPr lang="en-US" altLang="ko-KR" sz="2000" b="1" dirty="0">
+                <a:solidFill>
+                  <a:schemeClr val="tx1"/>
+                </a:solidFill>
+              </a:rPr>
+              <a:t> </a:t>
+            </a:r>
+            <a:r>
               <a:rPr lang="en-US" altLang="ko-KR" sz="2000" b="1" dirty="0" smtClean="0">
                 <a:solidFill>
                   <a:schemeClr val="tx1"/>
                 </a:solidFill>
               </a:rPr>
-              <a:t> Commit, Pull, Push</a:t>
+              <a:t>GitHub </a:t>
+            </a:r>
+            <a:r>
+              <a:rPr lang="ko-KR" altLang="en-US" sz="2000" b="1" dirty="0" smtClean="0">
+                <a:solidFill>
+                  <a:schemeClr val="tx1"/>
+                </a:solidFill>
+              </a:rPr>
+              <a:t>연동</a:t>
+            </a:r>
+            <a:endParaRPr lang="ko-KR" altLang="en-US" sz="2000" b="1" dirty="0" smtClean="0">
+              <a:solidFill>
+                <a:schemeClr val="tx1"/>
+              </a:solidFill>
+            </a:endParaRPr>
+          </a:p>
+        </p:txBody>
+      </p:sp>
+      <p:pic>
+        <p:nvPicPr>
+          <p:cNvPr id="8" name="그림 7"/>
+          <p:cNvPicPr>
+            <a:picLocks noChangeAspect="1"/>
+          </p:cNvPicPr>
+          <p:nvPr/>
+        </p:nvPicPr>
+        <p:blipFill>
+          <a:blip r:embed="rId2">
+            <a:extLst>
+              <a:ext uri="{28A0092B-C50C-407E-A947-70E740481C1C}">
+                <a14:useLocalDpi xmlns:a14="http://schemas.microsoft.com/office/drawing/2010/main" val="0"/>
+              </a:ext>
+            </a:extLst>
+          </a:blip>
+          <a:stretch>
+            <a:fillRect/>
+          </a:stretch>
+        </p:blipFill>
+        <p:spPr>
+          <a:xfrm>
+            <a:off x="537256" y="2056935"/>
+            <a:ext cx="5398237" cy="1137822"/>
+          </a:xfrm>
+          <a:prstGeom prst="rect">
+            <a:avLst/>
+          </a:prstGeom>
+        </p:spPr>
+      </p:pic>
+      <p:pic>
+        <p:nvPicPr>
+          <p:cNvPr id="9" name="그림 8"/>
+          <p:cNvPicPr>
+            <a:picLocks noChangeAspect="1"/>
+          </p:cNvPicPr>
+          <p:nvPr/>
+        </p:nvPicPr>
+        <p:blipFill>
+          <a:blip r:embed="rId3">
+            <a:extLst>
+              <a:ext uri="{28A0092B-C50C-407E-A947-70E740481C1C}">
+                <a14:useLocalDpi xmlns:a14="http://schemas.microsoft.com/office/drawing/2010/main" val="0"/>
+              </a:ext>
+            </a:extLst>
+          </a:blip>
+          <a:stretch>
+            <a:fillRect/>
+          </a:stretch>
+        </p:blipFill>
+        <p:spPr>
+          <a:xfrm>
+            <a:off x="537256" y="3194757"/>
+            <a:ext cx="5398237" cy="1131470"/>
+          </a:xfrm>
+          <a:prstGeom prst="rect">
+            <a:avLst/>
+          </a:prstGeom>
+        </p:spPr>
+      </p:pic>
+      <p:sp>
+        <p:nvSpPr>
+          <p:cNvPr id="10" name="TextBox 9"/>
+          <p:cNvSpPr txBox="1"/>
+          <p:nvPr/>
+        </p:nvSpPr>
+        <p:spPr>
+          <a:xfrm>
+            <a:off x="753707" y="4546015"/>
+            <a:ext cx="4965334" cy="830997"/>
+          </a:xfrm>
+          <a:prstGeom prst="rect">
+            <a:avLst/>
+          </a:prstGeom>
+          <a:noFill/>
+        </p:spPr>
+        <p:txBody>
+          <a:bodyPr wrap="none" rtlCol="0">
+            <a:spAutoFit/>
+          </a:bodyPr>
+          <a:lstStyle/>
+          <a:p>
+            <a:pPr marL="342900" indent="-342900">
+              <a:buAutoNum type="arabicPeriod"/>
+            </a:pPr>
+            <a:r>
+              <a:rPr lang="en-US" altLang="ko-KR" sz="1600" dirty="0" err="1" smtClean="0"/>
+              <a:t>VSCode</a:t>
+            </a:r>
+            <a:r>
+              <a:rPr lang="en-US" altLang="ko-KR" sz="1600" dirty="0" smtClean="0"/>
+              <a:t> </a:t>
+            </a:r>
+            <a:r>
+              <a:rPr lang="ko-KR" altLang="en-US" sz="1600" dirty="0" smtClean="0"/>
+              <a:t>실행 후 </a:t>
+            </a:r>
+            <a:r>
+              <a:rPr lang="en-US" altLang="ko-KR" sz="1600" dirty="0" smtClean="0"/>
+              <a:t>Ctrl + shift + P</a:t>
+            </a:r>
+          </a:p>
+          <a:p>
+            <a:pPr marL="342900" indent="-342900">
+              <a:buAutoNum type="arabicPeriod"/>
+            </a:pPr>
+            <a:r>
+              <a:rPr lang="en-US" altLang="ko-KR" sz="1600" dirty="0" err="1" smtClean="0"/>
+              <a:t>Git</a:t>
+            </a:r>
+            <a:r>
+              <a:rPr lang="en-US" altLang="ko-KR" sz="1600" dirty="0" smtClean="0"/>
+              <a:t>: Clone</a:t>
+            </a:r>
+            <a:r>
+              <a:rPr lang="ko-KR" altLang="en-US" sz="1600" dirty="0" smtClean="0"/>
+              <a:t>을 </a:t>
+            </a:r>
+            <a:r>
+              <a:rPr lang="ko-KR" altLang="en-US" sz="1600" dirty="0" smtClean="0"/>
+              <a:t>누르고 </a:t>
+            </a:r>
+            <a:r>
+              <a:rPr lang="en-US" altLang="ko-KR" sz="1600" dirty="0" smtClean="0"/>
+              <a:t>GitHub </a:t>
+            </a:r>
+            <a:r>
+              <a:rPr lang="en-US" altLang="ko-KR" sz="1600" dirty="0" smtClean="0"/>
+              <a:t>Repository </a:t>
+            </a:r>
+            <a:r>
+              <a:rPr lang="ko-KR" altLang="en-US" sz="1600" dirty="0" smtClean="0"/>
+              <a:t>입력</a:t>
+            </a:r>
+            <a:endParaRPr lang="en-US" altLang="ko-KR" sz="1600" dirty="0" smtClean="0"/>
+          </a:p>
+          <a:p>
+            <a:r>
+              <a:rPr lang="en-US" altLang="ko-KR" sz="1600" dirty="0"/>
+              <a:t>     * </a:t>
+            </a:r>
+            <a:r>
+              <a:rPr lang="en-US" altLang="ko-KR" sz="1600" dirty="0">
+                <a:hlinkClick r:id="rId4"/>
+              </a:rPr>
+              <a:t>https://</a:t>
+            </a:r>
+            <a:r>
+              <a:rPr lang="en-US" altLang="ko-KR" sz="1600" dirty="0" smtClean="0">
+                <a:hlinkClick r:id="rId4"/>
+              </a:rPr>
+              <a:t>github.com/mnew2m/PJT_Sample.git</a:t>
+            </a:r>
+            <a:r>
+              <a:rPr lang="en-US" altLang="ko-KR" sz="1600" dirty="0" smtClean="0"/>
+              <a:t> *</a:t>
+            </a:r>
+            <a:endParaRPr lang="en-US" altLang="ko-KR" sz="1600" dirty="0" smtClean="0"/>
+          </a:p>
+        </p:txBody>
+      </p:sp>
+      <p:pic>
+        <p:nvPicPr>
+          <p:cNvPr id="3" name="그림 2"/>
+          <p:cNvPicPr>
+            <a:picLocks noChangeAspect="1"/>
+          </p:cNvPicPr>
+          <p:nvPr/>
+        </p:nvPicPr>
+        <p:blipFill>
+          <a:blip r:embed="rId5">
+            <a:extLst>
+              <a:ext uri="{28A0092B-C50C-407E-A947-70E740481C1C}">
+                <a14:useLocalDpi xmlns:a14="http://schemas.microsoft.com/office/drawing/2010/main" val="0"/>
+              </a:ext>
+            </a:extLst>
+          </a:blip>
+          <a:stretch>
+            <a:fillRect/>
+          </a:stretch>
+        </p:blipFill>
+        <p:spPr>
+          <a:xfrm>
+            <a:off x="6268726" y="1717149"/>
+            <a:ext cx="5245094" cy="2955217"/>
+          </a:xfrm>
+          <a:prstGeom prst="rect">
+            <a:avLst/>
+          </a:prstGeom>
+        </p:spPr>
+      </p:pic>
+      <p:sp>
+        <p:nvSpPr>
+          <p:cNvPr id="4" name="TextBox 3"/>
+          <p:cNvSpPr txBox="1"/>
+          <p:nvPr/>
+        </p:nvSpPr>
+        <p:spPr>
+          <a:xfrm>
+            <a:off x="6379207" y="4918587"/>
+            <a:ext cx="5024132" cy="338554"/>
+          </a:xfrm>
+          <a:prstGeom prst="rect">
+            <a:avLst/>
+          </a:prstGeom>
+          <a:noFill/>
+        </p:spPr>
+        <p:txBody>
+          <a:bodyPr wrap="none" rtlCol="0">
+            <a:spAutoFit/>
+          </a:bodyPr>
+          <a:lstStyle/>
+          <a:p>
+            <a:r>
+              <a:rPr lang="en-US" altLang="ko-KR" sz="1600" dirty="0"/>
+              <a:t>3.  </a:t>
+            </a:r>
+            <a:r>
+              <a:rPr lang="ko-KR" altLang="en-US" sz="1600" dirty="0"/>
+              <a:t>컴퓨터 내에 작업할 폴더 경로를 선택하면 </a:t>
+            </a:r>
+            <a:r>
+              <a:rPr lang="ko-KR" altLang="en-US" sz="1600" dirty="0" smtClean="0"/>
+              <a:t>연동됨</a:t>
+            </a:r>
+            <a:endParaRPr lang="ko-KR" altLang="en-US" sz="1600" dirty="0"/>
+          </a:p>
+        </p:txBody>
+      </p:sp>
+    </p:spTree>
+    <p:extLst>
+      <p:ext uri="{BB962C8B-B14F-4D97-AF65-F5344CB8AC3E}">
+        <p14:creationId xmlns:p14="http://schemas.microsoft.com/office/powerpoint/2010/main" val="2410860776"/>
+      </p:ext>
+    </p:extLst>
+  </p:cSld>
+  <p:clrMapOvr>
+    <a:masterClrMapping/>
+  </p:clrMapOvr>
+</p:sld>
+</file>
+
+<file path=ppt/slides/slide4.xml><?xml version="1.0" encoding="utf-8"?>
+<p:sld xmlns:a="http://schemas.openxmlformats.org/drawingml/2006/main" xmlns:r="http://schemas.openxmlformats.org/officeDocument/2006/relationships" xmlns:p="http://schemas.openxmlformats.org/presentationml/2006/main">
+  <p:cSld>
+    <p:spTree>
+      <p:nvGrpSpPr>
+        <p:cNvPr id="1" name=""/>
+        <p:cNvGrpSpPr/>
+        <p:nvPr/>
+      </p:nvGrpSpPr>
+      <p:grpSpPr>
+        <a:xfrm>
+          <a:off x="0" y="0"/>
+          <a:ext cx="0" cy="0"/>
+          <a:chOff x="0" y="0"/>
+          <a:chExt cx="0" cy="0"/>
+        </a:xfrm>
+      </p:grpSpPr>
+      <p:pic>
+        <p:nvPicPr>
+          <p:cNvPr id="2" name="그림 1"/>
+          <p:cNvPicPr>
+            <a:picLocks noChangeAspect="1"/>
+          </p:cNvPicPr>
+          <p:nvPr/>
+        </p:nvPicPr>
+        <p:blipFill>
+          <a:blip r:embed="rId2" cstate="print">
+            <a:extLst>
+              <a:ext uri="{28A0092B-C50C-407E-A947-70E740481C1C}">
+                <a14:useLocalDpi xmlns:a14="http://schemas.microsoft.com/office/drawing/2010/main" val="0"/>
+              </a:ext>
+            </a:extLst>
+          </a:blip>
+          <a:stretch>
+            <a:fillRect/>
+          </a:stretch>
+        </p:blipFill>
+        <p:spPr>
+          <a:xfrm>
+            <a:off x="2955263" y="1766137"/>
+            <a:ext cx="6026936" cy="3552609"/>
+          </a:xfrm>
+          <a:prstGeom prst="rect">
+            <a:avLst/>
+          </a:prstGeom>
+        </p:spPr>
+      </p:pic>
+      <p:sp>
+        <p:nvSpPr>
+          <p:cNvPr id="7" name="직사각형 6"/>
+          <p:cNvSpPr/>
+          <p:nvPr/>
+        </p:nvSpPr>
+        <p:spPr>
+          <a:xfrm>
+            <a:off x="0" y="0"/>
+            <a:ext cx="12192000" cy="640081"/>
+          </a:xfrm>
+          <a:prstGeom prst="rect">
+            <a:avLst/>
+          </a:prstGeom>
+          <a:solidFill>
+            <a:schemeClr val="accent5">
+              <a:lumMod val="60000"/>
+              <a:lumOff val="40000"/>
+            </a:schemeClr>
+          </a:solidFill>
+          <a:ln>
+            <a:noFill/>
+          </a:ln>
+        </p:spPr>
+        <p:style>
+          <a:lnRef idx="2">
+            <a:schemeClr val="accent1">
+              <a:shade val="50000"/>
+            </a:schemeClr>
+          </a:lnRef>
+          <a:fillRef idx="1">
+            <a:schemeClr val="accent1"/>
+          </a:fillRef>
+          <a:effectRef idx="0">
+            <a:schemeClr val="accent1"/>
+          </a:effectRef>
+          <a:fontRef idx="minor">
+            <a:schemeClr val="lt1"/>
+          </a:fontRef>
+        </p:style>
+        <p:txBody>
+          <a:bodyPr rtlCol="0" anchor="ctr"/>
+          <a:lstStyle/>
+          <a:p>
+            <a:r>
+              <a:rPr lang="en-US" altLang="ko-KR" sz="2000" b="1" dirty="0" smtClean="0">
+                <a:solidFill>
+                  <a:schemeClr val="tx1"/>
+                </a:solidFill>
+              </a:rPr>
+              <a:t>  02. </a:t>
+            </a:r>
+            <a:r>
+              <a:rPr lang="en-US" altLang="ko-KR" sz="2000" b="1" dirty="0" err="1" smtClean="0">
+                <a:solidFill>
+                  <a:schemeClr val="tx1"/>
+                </a:solidFill>
+              </a:rPr>
+              <a:t>VSCode</a:t>
+            </a:r>
+            <a:r>
+              <a:rPr lang="en-US" altLang="ko-KR" sz="2000" b="1" dirty="0">
+                <a:solidFill>
+                  <a:schemeClr val="tx1"/>
+                </a:solidFill>
+              </a:rPr>
+              <a:t> </a:t>
+            </a:r>
+            <a:r>
+              <a:rPr lang="en-US" altLang="ko-KR" sz="2000" b="1" dirty="0" smtClean="0">
+                <a:solidFill>
+                  <a:schemeClr val="tx1"/>
+                </a:solidFill>
+              </a:rPr>
+              <a:t>GitHub </a:t>
+            </a:r>
+            <a:r>
+              <a:rPr lang="ko-KR" altLang="en-US" sz="2000" b="1" dirty="0" smtClean="0">
+                <a:solidFill>
+                  <a:schemeClr val="tx1"/>
+                </a:solidFill>
+              </a:rPr>
+              <a:t>연동</a:t>
+            </a:r>
+            <a:endParaRPr lang="ko-KR" altLang="en-US" sz="2000" b="1" dirty="0" smtClean="0">
+              <a:solidFill>
+                <a:schemeClr val="tx1"/>
+              </a:solidFill>
+            </a:endParaRPr>
+          </a:p>
+        </p:txBody>
+      </p:sp>
+      <p:sp>
+        <p:nvSpPr>
+          <p:cNvPr id="11" name="TextBox 10"/>
+          <p:cNvSpPr txBox="1"/>
+          <p:nvPr/>
+        </p:nvSpPr>
+        <p:spPr>
+          <a:xfrm>
+            <a:off x="3239128" y="4733971"/>
+            <a:ext cx="5713744" cy="584775"/>
+          </a:xfrm>
+          <a:prstGeom prst="rect">
+            <a:avLst/>
+          </a:prstGeom>
+          <a:noFill/>
+        </p:spPr>
+        <p:txBody>
+          <a:bodyPr wrap="none" rtlCol="0">
+            <a:spAutoFit/>
+          </a:bodyPr>
+          <a:lstStyle/>
+          <a:p>
+            <a:r>
+              <a:rPr lang="en-US" altLang="ko-KR" sz="1600" dirty="0" smtClean="0"/>
+              <a:t>                 &lt; GitHub Repository </a:t>
+            </a:r>
+            <a:r>
+              <a:rPr lang="ko-KR" altLang="en-US" sz="1600" dirty="0" smtClean="0"/>
+              <a:t>링크 참고 </a:t>
+            </a:r>
+            <a:r>
+              <a:rPr lang="en-US" altLang="ko-KR" sz="1600" dirty="0"/>
+              <a:t>&gt;</a:t>
+            </a:r>
+            <a:endParaRPr lang="en-US" altLang="ko-KR" sz="1600" dirty="0" smtClean="0"/>
+          </a:p>
+          <a:p>
+            <a:r>
+              <a:rPr lang="en-US" altLang="ko-KR" sz="1600" dirty="0" smtClean="0"/>
+              <a:t>* GitHub </a:t>
+            </a:r>
+            <a:r>
+              <a:rPr lang="ko-KR" altLang="en-US" sz="1600" dirty="0" smtClean="0"/>
+              <a:t>사이트 내에 프로젝트 </a:t>
+            </a:r>
+            <a:r>
+              <a:rPr lang="en-US" altLang="ko-KR" sz="1600" dirty="0" smtClean="0"/>
+              <a:t>&gt; CODE &gt; </a:t>
+            </a:r>
+            <a:r>
+              <a:rPr lang="ko-KR" altLang="en-US" sz="1600" dirty="0" smtClean="0"/>
+              <a:t>주소 복사 가능</a:t>
+            </a:r>
+            <a:r>
+              <a:rPr lang="en-US" altLang="ko-KR" sz="1600" dirty="0" smtClean="0"/>
+              <a:t> *</a:t>
+            </a:r>
+            <a:endParaRPr lang="ko-KR" altLang="en-US" sz="1600" dirty="0"/>
+          </a:p>
+        </p:txBody>
+      </p:sp>
+    </p:spTree>
+    <p:extLst>
+      <p:ext uri="{BB962C8B-B14F-4D97-AF65-F5344CB8AC3E}">
+        <p14:creationId xmlns:p14="http://schemas.microsoft.com/office/powerpoint/2010/main" val="2356808125"/>
+      </p:ext>
+    </p:extLst>
+  </p:cSld>
+  <p:clrMapOvr>
+    <a:masterClrMapping/>
+  </p:clrMapOvr>
+</p:sld>
+</file>
+
+<file path=ppt/slides/slide5.xml><?xml version="1.0" encoding="utf-8"?>
+<p:sld xmlns:a="http://schemas.openxmlformats.org/drawingml/2006/main" xmlns:r="http://schemas.openxmlformats.org/officeDocument/2006/relationships" xmlns:p="http://schemas.openxmlformats.org/presentationml/2006/main">
+  <p:cSld>
+    <p:spTree>
+      <p:nvGrpSpPr>
+        <p:cNvPr id="1" name=""/>
+        <p:cNvGrpSpPr/>
+        <p:nvPr/>
+      </p:nvGrpSpPr>
+      <p:grpSpPr>
+        <a:xfrm>
+          <a:off x="0" y="0"/>
+          <a:ext cx="0" cy="0"/>
+          <a:chOff x="0" y="0"/>
+          <a:chExt cx="0" cy="0"/>
+        </a:xfrm>
+      </p:grpSpPr>
+      <p:sp>
+        <p:nvSpPr>
+          <p:cNvPr id="7" name="직사각형 6"/>
+          <p:cNvSpPr/>
+          <p:nvPr/>
+        </p:nvSpPr>
+        <p:spPr>
+          <a:xfrm>
+            <a:off x="0" y="0"/>
+            <a:ext cx="12192000" cy="640081"/>
+          </a:xfrm>
+          <a:prstGeom prst="rect">
+            <a:avLst/>
+          </a:prstGeom>
+          <a:solidFill>
+            <a:schemeClr val="accent5">
+              <a:lumMod val="60000"/>
+              <a:lumOff val="40000"/>
+            </a:schemeClr>
+          </a:solidFill>
+          <a:ln>
+            <a:noFill/>
+          </a:ln>
+        </p:spPr>
+        <p:style>
+          <a:lnRef idx="2">
+            <a:schemeClr val="accent1">
+              <a:shade val="50000"/>
+            </a:schemeClr>
+          </a:lnRef>
+          <a:fillRef idx="1">
+            <a:schemeClr val="accent1"/>
+          </a:fillRef>
+          <a:effectRef idx="0">
+            <a:schemeClr val="accent1"/>
+          </a:effectRef>
+          <a:fontRef idx="minor">
+            <a:schemeClr val="lt1"/>
+          </a:fontRef>
+        </p:style>
+        <p:txBody>
+          <a:bodyPr rtlCol="0" anchor="ctr"/>
+          <a:lstStyle/>
+          <a:p>
+            <a:r>
+              <a:rPr lang="en-US" altLang="ko-KR" sz="2000" b="1" dirty="0" smtClean="0">
+                <a:solidFill>
+                  <a:schemeClr val="tx1"/>
+                </a:solidFill>
+              </a:rPr>
+              <a:t>  </a:t>
+            </a:r>
+            <a:r>
+              <a:rPr lang="en-US" altLang="ko-KR" sz="2000" b="1" dirty="0" smtClean="0">
+                <a:solidFill>
+                  <a:schemeClr val="tx1"/>
+                </a:solidFill>
+              </a:rPr>
+              <a:t>03. </a:t>
+            </a:r>
+            <a:r>
+              <a:rPr lang="en-US" altLang="ko-KR" sz="2000" b="1" dirty="0" err="1" smtClean="0">
+                <a:solidFill>
+                  <a:schemeClr val="tx1"/>
+                </a:solidFill>
+              </a:rPr>
+              <a:t>VSCode</a:t>
+            </a:r>
+            <a:r>
+              <a:rPr lang="en-US" altLang="ko-KR" sz="2000" b="1" dirty="0" smtClean="0">
+                <a:solidFill>
+                  <a:schemeClr val="tx1"/>
+                </a:solidFill>
+              </a:rPr>
+              <a:t> </a:t>
+            </a:r>
+            <a:r>
+              <a:rPr lang="en-US" altLang="ko-KR" sz="2000" b="1" dirty="0" smtClean="0">
+                <a:solidFill>
+                  <a:schemeClr val="tx1"/>
+                </a:solidFill>
+              </a:rPr>
+              <a:t>Terminal</a:t>
+            </a:r>
+            <a:endParaRPr lang="ko-KR" altLang="en-US" sz="2000" b="1" dirty="0" smtClean="0">
+              <a:solidFill>
+                <a:schemeClr val="tx1"/>
+              </a:solidFill>
+            </a:endParaRPr>
+          </a:p>
+        </p:txBody>
+      </p:sp>
+      <p:sp>
+        <p:nvSpPr>
+          <p:cNvPr id="14" name="TextBox 13"/>
+          <p:cNvSpPr txBox="1"/>
+          <p:nvPr/>
+        </p:nvSpPr>
+        <p:spPr>
+          <a:xfrm>
+            <a:off x="770716" y="4649009"/>
+            <a:ext cx="4828886" cy="1323439"/>
+          </a:xfrm>
+          <a:prstGeom prst="rect">
+            <a:avLst/>
+          </a:prstGeom>
+          <a:noFill/>
+        </p:spPr>
+        <p:txBody>
+          <a:bodyPr wrap="none" rtlCol="0">
+            <a:spAutoFit/>
+          </a:bodyPr>
+          <a:lstStyle/>
+          <a:p>
+            <a:r>
+              <a:rPr lang="en-US" altLang="ko-KR" sz="1600" dirty="0"/>
+              <a:t>**</a:t>
+            </a:r>
+            <a:r>
+              <a:rPr lang="ko-KR" altLang="en-US" sz="1600" dirty="0"/>
+              <a:t> </a:t>
+            </a:r>
+            <a:r>
+              <a:rPr lang="en-US" altLang="ko-KR" sz="1600" dirty="0"/>
+              <a:t>node.js</a:t>
+            </a:r>
+            <a:r>
+              <a:rPr lang="ko-KR" altLang="en-US" sz="1600" dirty="0"/>
+              <a:t>를 실행하기 위한 </a:t>
+            </a:r>
+            <a:r>
+              <a:rPr lang="en-US" altLang="ko-KR" sz="1600" dirty="0"/>
+              <a:t>initial </a:t>
+            </a:r>
+            <a:r>
+              <a:rPr lang="ko-KR" altLang="en-US" sz="1600" dirty="0"/>
+              <a:t>과정 </a:t>
+            </a:r>
+            <a:r>
+              <a:rPr lang="en-US" altLang="ko-KR" sz="1600" dirty="0" smtClean="0"/>
+              <a:t>**</a:t>
+            </a:r>
+          </a:p>
+          <a:p>
+            <a:endParaRPr lang="en-US" altLang="ko-KR" sz="1600" dirty="0" smtClean="0"/>
+          </a:p>
+          <a:p>
+            <a:pPr marL="342900" indent="-342900">
+              <a:buAutoNum type="arabicPeriod"/>
+            </a:pPr>
+            <a:r>
+              <a:rPr lang="en-US" altLang="ko-KR" sz="1600" dirty="0" err="1" smtClean="0"/>
+              <a:t>VSCode</a:t>
+            </a:r>
+            <a:r>
+              <a:rPr lang="en-US" altLang="ko-KR" sz="1600" dirty="0" smtClean="0"/>
+              <a:t> </a:t>
+            </a:r>
+            <a:r>
+              <a:rPr lang="ko-KR" altLang="en-US" sz="1600" dirty="0" smtClean="0"/>
+              <a:t>실행 후 </a:t>
+            </a:r>
+            <a:r>
+              <a:rPr lang="en-US" altLang="ko-KR" sz="1600" dirty="0" smtClean="0"/>
+              <a:t>Terminal </a:t>
+            </a:r>
+            <a:r>
+              <a:rPr lang="ko-KR" altLang="en-US" sz="1600" dirty="0" smtClean="0"/>
+              <a:t>열기 </a:t>
+            </a:r>
+            <a:r>
+              <a:rPr lang="en-US" altLang="ko-KR" sz="1600" dirty="0" smtClean="0"/>
+              <a:t>( Ctrl + ` )</a:t>
+            </a:r>
+          </a:p>
+          <a:p>
+            <a:pPr marL="342900" indent="-342900">
+              <a:buAutoNum type="arabicPeriod"/>
+            </a:pPr>
+            <a:r>
+              <a:rPr lang="en-US" altLang="ko-KR" sz="1600" dirty="0" err="1"/>
+              <a:t>n</a:t>
+            </a:r>
+            <a:r>
+              <a:rPr lang="en-US" altLang="ko-KR" sz="1600" dirty="0" err="1" smtClean="0"/>
+              <a:t>pm</a:t>
+            </a:r>
+            <a:r>
+              <a:rPr lang="en-US" altLang="ko-KR" sz="1600" dirty="0" smtClean="0"/>
+              <a:t> </a:t>
+            </a:r>
+            <a:r>
+              <a:rPr lang="en-US" altLang="ko-KR" sz="1600" dirty="0" err="1" smtClean="0"/>
+              <a:t>init</a:t>
+            </a:r>
+            <a:r>
+              <a:rPr lang="en-US" altLang="ko-KR" sz="1600" dirty="0" smtClean="0"/>
+              <a:t> </a:t>
+            </a:r>
+            <a:r>
+              <a:rPr lang="ko-KR" altLang="en-US" sz="1600" dirty="0" smtClean="0"/>
+              <a:t>입력 후 </a:t>
+            </a:r>
+            <a:r>
+              <a:rPr lang="en-US" altLang="ko-KR" sz="1600" dirty="0"/>
+              <a:t>Enter + Enter </a:t>
+            </a:r>
+            <a:r>
+              <a:rPr lang="en-US" altLang="ko-KR" sz="1600" dirty="0" smtClean="0"/>
+              <a:t> ~~</a:t>
+            </a:r>
+          </a:p>
+          <a:p>
+            <a:pPr marL="342900" indent="-342900">
+              <a:buAutoNum type="arabicPeriod"/>
+            </a:pPr>
+            <a:r>
+              <a:rPr lang="ko-KR" altLang="en-US" sz="1600" dirty="0" smtClean="0"/>
+              <a:t>과정 완료 후 </a:t>
+            </a:r>
+            <a:r>
+              <a:rPr lang="en-US" altLang="ko-KR" sz="1600" dirty="0" err="1" smtClean="0"/>
+              <a:t>package.json</a:t>
+            </a:r>
+            <a:r>
+              <a:rPr lang="en-US" altLang="ko-KR" sz="1600" dirty="0" smtClean="0"/>
+              <a:t> </a:t>
+            </a:r>
+            <a:r>
+              <a:rPr lang="ko-KR" altLang="en-US" sz="1600" dirty="0" smtClean="0"/>
+              <a:t>생성 되었는지 확인</a:t>
+            </a:r>
+            <a:endParaRPr lang="en-US" altLang="ko-KR" sz="1600" dirty="0" smtClean="0"/>
+          </a:p>
+        </p:txBody>
+      </p:sp>
+      <p:pic>
+        <p:nvPicPr>
+          <p:cNvPr id="2" name="그림 1"/>
+          <p:cNvPicPr>
+            <a:picLocks noChangeAspect="1"/>
+          </p:cNvPicPr>
+          <p:nvPr/>
+        </p:nvPicPr>
+        <p:blipFill>
+          <a:blip r:embed="rId2">
+            <a:extLst>
+              <a:ext uri="{28A0092B-C50C-407E-A947-70E740481C1C}">
+                <a14:useLocalDpi xmlns:a14="http://schemas.microsoft.com/office/drawing/2010/main" val="0"/>
+              </a:ext>
+            </a:extLst>
+          </a:blip>
+          <a:stretch>
+            <a:fillRect/>
+          </a:stretch>
+        </p:blipFill>
+        <p:spPr>
+          <a:xfrm>
+            <a:off x="393945" y="1625736"/>
+            <a:ext cx="5582429" cy="2600688"/>
+          </a:xfrm>
+          <a:prstGeom prst="rect">
+            <a:avLst/>
+          </a:prstGeom>
+        </p:spPr>
+      </p:pic>
+      <p:pic>
+        <p:nvPicPr>
+          <p:cNvPr id="3" name="그림 2"/>
+          <p:cNvPicPr>
+            <a:picLocks noChangeAspect="1"/>
+          </p:cNvPicPr>
+          <p:nvPr/>
+        </p:nvPicPr>
+        <p:blipFill>
+          <a:blip r:embed="rId3">
+            <a:extLst>
+              <a:ext uri="{28A0092B-C50C-407E-A947-70E740481C1C}">
+                <a14:useLocalDpi xmlns:a14="http://schemas.microsoft.com/office/drawing/2010/main" val="0"/>
+              </a:ext>
+            </a:extLst>
+          </a:blip>
+          <a:stretch>
+            <a:fillRect/>
+          </a:stretch>
+        </p:blipFill>
+        <p:spPr>
+          <a:xfrm>
+            <a:off x="6240780" y="1203151"/>
+            <a:ext cx="5562600" cy="3445858"/>
+          </a:xfrm>
+          <a:prstGeom prst="rect">
+            <a:avLst/>
+          </a:prstGeom>
+        </p:spPr>
+      </p:pic>
+    </p:spTree>
+    <p:extLst>
+      <p:ext uri="{BB962C8B-B14F-4D97-AF65-F5344CB8AC3E}">
+        <p14:creationId xmlns:p14="http://schemas.microsoft.com/office/powerpoint/2010/main" val="3062852968"/>
+      </p:ext>
+    </p:extLst>
+  </p:cSld>
+  <p:clrMapOvr>
+    <a:masterClrMapping/>
+  </p:clrMapOvr>
+</p:sld>
+</file>
+
+<file path=ppt/slides/slide6.xml><?xml version="1.0" encoding="utf-8"?>
+<p:sld xmlns:a="http://schemas.openxmlformats.org/drawingml/2006/main" xmlns:r="http://schemas.openxmlformats.org/officeDocument/2006/relationships" xmlns:p="http://schemas.openxmlformats.org/presentationml/2006/main">
+  <p:cSld>
+    <p:spTree>
+      <p:nvGrpSpPr>
+        <p:cNvPr id="1" name=""/>
+        <p:cNvGrpSpPr/>
+        <p:nvPr/>
+      </p:nvGrpSpPr>
+      <p:grpSpPr>
+        <a:xfrm>
+          <a:off x="0" y="0"/>
+          <a:ext cx="0" cy="0"/>
+          <a:chOff x="0" y="0"/>
+          <a:chExt cx="0" cy="0"/>
+        </a:xfrm>
+      </p:grpSpPr>
+      <p:sp>
+        <p:nvSpPr>
+          <p:cNvPr id="7" name="직사각형 6"/>
+          <p:cNvSpPr/>
+          <p:nvPr/>
+        </p:nvSpPr>
+        <p:spPr>
+          <a:xfrm>
+            <a:off x="0" y="0"/>
+            <a:ext cx="12192000" cy="640081"/>
+          </a:xfrm>
+          <a:prstGeom prst="rect">
+            <a:avLst/>
+          </a:prstGeom>
+          <a:solidFill>
+            <a:schemeClr val="accent5">
+              <a:lumMod val="60000"/>
+              <a:lumOff val="40000"/>
+            </a:schemeClr>
+          </a:solidFill>
+          <a:ln>
+            <a:noFill/>
+          </a:ln>
+        </p:spPr>
+        <p:style>
+          <a:lnRef idx="2">
+            <a:schemeClr val="accent1">
+              <a:shade val="50000"/>
+            </a:schemeClr>
+          </a:lnRef>
+          <a:fillRef idx="1">
+            <a:schemeClr val="accent1"/>
+          </a:fillRef>
+          <a:effectRef idx="0">
+            <a:schemeClr val="accent1"/>
+          </a:effectRef>
+          <a:fontRef idx="minor">
+            <a:schemeClr val="lt1"/>
+          </a:fontRef>
+        </p:style>
+        <p:txBody>
+          <a:bodyPr rtlCol="0" anchor="ctr"/>
+          <a:lstStyle/>
+          <a:p>
+            <a:r>
+              <a:rPr lang="en-US" altLang="ko-KR" sz="2000" b="1" dirty="0" smtClean="0">
+                <a:solidFill>
+                  <a:schemeClr val="tx1"/>
+                </a:solidFill>
+              </a:rPr>
+              <a:t>  </a:t>
+            </a:r>
+            <a:r>
+              <a:rPr lang="en-US" altLang="ko-KR" sz="2000" b="1" dirty="0" smtClean="0">
+                <a:solidFill>
+                  <a:schemeClr val="tx1"/>
+                </a:solidFill>
+              </a:rPr>
+              <a:t>03. </a:t>
+            </a:r>
+            <a:r>
+              <a:rPr lang="en-US" altLang="ko-KR" sz="2000" b="1" dirty="0" err="1" smtClean="0">
+                <a:solidFill>
+                  <a:schemeClr val="tx1"/>
+                </a:solidFill>
+              </a:rPr>
+              <a:t>VSCode</a:t>
+            </a:r>
+            <a:r>
+              <a:rPr lang="en-US" altLang="ko-KR" sz="2000" b="1" dirty="0" smtClean="0">
+                <a:solidFill>
+                  <a:schemeClr val="tx1"/>
+                </a:solidFill>
+              </a:rPr>
+              <a:t> </a:t>
+            </a:r>
+            <a:r>
+              <a:rPr lang="en-US" altLang="ko-KR" sz="2000" b="1" dirty="0" smtClean="0">
+                <a:solidFill>
+                  <a:schemeClr val="tx1"/>
+                </a:solidFill>
+              </a:rPr>
+              <a:t>Terminal</a:t>
+            </a:r>
+            <a:endParaRPr lang="ko-KR" altLang="en-US" sz="2000" b="1" dirty="0" smtClean="0">
+              <a:solidFill>
+                <a:schemeClr val="tx1"/>
+              </a:solidFill>
+            </a:endParaRPr>
+          </a:p>
+        </p:txBody>
+      </p:sp>
+      <p:pic>
+        <p:nvPicPr>
+          <p:cNvPr id="13" name="그림 12"/>
+          <p:cNvPicPr>
+            <a:picLocks noChangeAspect="1"/>
+          </p:cNvPicPr>
+          <p:nvPr/>
+        </p:nvPicPr>
+        <p:blipFill>
+          <a:blip r:embed="rId2">
+            <a:extLst>
+              <a:ext uri="{28A0092B-C50C-407E-A947-70E740481C1C}">
+                <a14:useLocalDpi xmlns:a14="http://schemas.microsoft.com/office/drawing/2010/main" val="0"/>
+              </a:ext>
+            </a:extLst>
+          </a:blip>
+          <a:stretch>
+            <a:fillRect/>
+          </a:stretch>
+        </p:blipFill>
+        <p:spPr>
+          <a:xfrm>
+            <a:off x="3948763" y="2265495"/>
+            <a:ext cx="4324954" cy="1981477"/>
+          </a:xfrm>
+          <a:prstGeom prst="rect">
+            <a:avLst/>
+          </a:prstGeom>
+        </p:spPr>
+      </p:pic>
+      <p:sp>
+        <p:nvSpPr>
+          <p:cNvPr id="14" name="TextBox 13"/>
+          <p:cNvSpPr txBox="1"/>
+          <p:nvPr/>
+        </p:nvSpPr>
+        <p:spPr>
+          <a:xfrm>
+            <a:off x="3279375" y="4574632"/>
+            <a:ext cx="5591595" cy="830997"/>
+          </a:xfrm>
+          <a:prstGeom prst="rect">
+            <a:avLst/>
+          </a:prstGeom>
+          <a:noFill/>
+        </p:spPr>
+        <p:txBody>
+          <a:bodyPr wrap="none" rtlCol="0">
+            <a:spAutoFit/>
+          </a:bodyPr>
+          <a:lstStyle/>
+          <a:p>
+            <a:pPr marL="342900" indent="-342900">
+              <a:buAutoNum type="arabicPeriod"/>
+            </a:pPr>
+            <a:r>
+              <a:rPr lang="en-US" altLang="ko-KR" sz="1600" dirty="0" smtClean="0"/>
+              <a:t>Terminal </a:t>
+            </a:r>
+            <a:r>
+              <a:rPr lang="ko-KR" altLang="en-US" sz="1600" dirty="0" smtClean="0"/>
+              <a:t>열기 </a:t>
+            </a:r>
+            <a:r>
+              <a:rPr lang="en-US" altLang="ko-KR" sz="1600" dirty="0" smtClean="0"/>
+              <a:t>( Ctrl + ` )</a:t>
+            </a:r>
+          </a:p>
+          <a:p>
+            <a:pPr marL="342900" indent="-342900">
+              <a:buAutoNum type="arabicPeriod"/>
+            </a:pPr>
+            <a:r>
+              <a:rPr lang="en-US" altLang="ko-KR" sz="1600" dirty="0"/>
+              <a:t>n</a:t>
+            </a:r>
+            <a:r>
+              <a:rPr lang="en-US" altLang="ko-KR" sz="1600" dirty="0" smtClean="0"/>
+              <a:t>ode app </a:t>
+            </a:r>
+            <a:r>
+              <a:rPr lang="ko-KR" altLang="en-US" sz="1600" dirty="0" smtClean="0"/>
+              <a:t>입력 후 아랫줄에 </a:t>
+            </a:r>
+            <a:r>
+              <a:rPr lang="en-US" altLang="ko-KR" sz="1600" dirty="0" smtClean="0"/>
+              <a:t>log </a:t>
+            </a:r>
+            <a:r>
+              <a:rPr lang="ko-KR" altLang="en-US" sz="1600" dirty="0" smtClean="0"/>
+              <a:t>뜨면 사이트 접속 가능</a:t>
+            </a:r>
+            <a:endParaRPr lang="en-US" altLang="ko-KR" sz="1600" dirty="0" smtClean="0"/>
+          </a:p>
+          <a:p>
+            <a:r>
+              <a:rPr lang="en-US" altLang="ko-KR" sz="1600" dirty="0" smtClean="0"/>
+              <a:t>3.   localhost:8080</a:t>
+            </a:r>
+            <a:r>
+              <a:rPr lang="ko-KR" altLang="en-US" sz="1600" dirty="0" smtClean="0"/>
+              <a:t>으로 접속</a:t>
+            </a:r>
+            <a:endParaRPr lang="ko-KR" altLang="en-US" sz="1600" dirty="0"/>
+          </a:p>
+        </p:txBody>
+      </p:sp>
+    </p:spTree>
+    <p:extLst>
+      <p:ext uri="{BB962C8B-B14F-4D97-AF65-F5344CB8AC3E}">
+        <p14:creationId xmlns:p14="http://schemas.microsoft.com/office/powerpoint/2010/main" val="890812804"/>
+      </p:ext>
+    </p:extLst>
+  </p:cSld>
+  <p:clrMapOvr>
+    <a:masterClrMapping/>
+  </p:clrMapOvr>
+</p:sld>
+</file>
+
+<file path=ppt/slides/slide7.xml><?xml version="1.0" encoding="utf-8"?>
+<p:sld xmlns:a="http://schemas.openxmlformats.org/drawingml/2006/main" xmlns:r="http://schemas.openxmlformats.org/officeDocument/2006/relationships" xmlns:p="http://schemas.openxmlformats.org/presentationml/2006/main">
+  <p:cSld>
+    <p:spTree>
+      <p:nvGrpSpPr>
+        <p:cNvPr id="1" name=""/>
+        <p:cNvGrpSpPr/>
+        <p:nvPr/>
+      </p:nvGrpSpPr>
+      <p:grpSpPr>
+        <a:xfrm>
+          <a:off x="0" y="0"/>
+          <a:ext cx="0" cy="0"/>
+          <a:chOff x="0" y="0"/>
+          <a:chExt cx="0" cy="0"/>
+        </a:xfrm>
+      </p:grpSpPr>
+      <p:sp>
+        <p:nvSpPr>
+          <p:cNvPr id="7" name="직사각형 6"/>
+          <p:cNvSpPr/>
+          <p:nvPr/>
+        </p:nvSpPr>
+        <p:spPr>
+          <a:xfrm>
+            <a:off x="0" y="0"/>
+            <a:ext cx="12192000" cy="640081"/>
+          </a:xfrm>
+          <a:prstGeom prst="rect">
+            <a:avLst/>
+          </a:prstGeom>
+          <a:solidFill>
+            <a:schemeClr val="accent5">
+              <a:lumMod val="60000"/>
+              <a:lumOff val="40000"/>
+            </a:schemeClr>
+          </a:solidFill>
+          <a:ln>
+            <a:noFill/>
+          </a:ln>
+        </p:spPr>
+        <p:style>
+          <a:lnRef idx="2">
+            <a:schemeClr val="accent1">
+              <a:shade val="50000"/>
+            </a:schemeClr>
+          </a:lnRef>
+          <a:fillRef idx="1">
+            <a:schemeClr val="accent1"/>
+          </a:fillRef>
+          <a:effectRef idx="0">
+            <a:schemeClr val="accent1"/>
+          </a:effectRef>
+          <a:fontRef idx="minor">
+            <a:schemeClr val="lt1"/>
+          </a:fontRef>
+        </p:style>
+        <p:txBody>
+          <a:bodyPr rtlCol="0" anchor="ctr"/>
+          <a:lstStyle/>
+          <a:p>
+            <a:r>
+              <a:rPr lang="en-US" altLang="ko-KR" sz="2000" b="1" dirty="0" smtClean="0">
+                <a:solidFill>
+                  <a:schemeClr val="tx1"/>
+                </a:solidFill>
+              </a:rPr>
+              <a:t>  </a:t>
+            </a:r>
+            <a:r>
+              <a:rPr lang="en-US" altLang="ko-KR" sz="2000" b="1" dirty="0" smtClean="0">
+                <a:solidFill>
+                  <a:schemeClr val="tx1"/>
+                </a:solidFill>
+              </a:rPr>
+              <a:t>04. </a:t>
+            </a:r>
+            <a:r>
+              <a:rPr lang="en-US" altLang="ko-KR" sz="2000" b="1" dirty="0" err="1" smtClean="0">
+                <a:solidFill>
+                  <a:schemeClr val="tx1"/>
+                </a:solidFill>
+              </a:rPr>
+              <a:t>VSCode</a:t>
+            </a:r>
+            <a:r>
+              <a:rPr lang="en-US" altLang="ko-KR" sz="2000" b="1" dirty="0" smtClean="0">
+                <a:solidFill>
+                  <a:schemeClr val="tx1"/>
+                </a:solidFill>
+              </a:rPr>
+              <a:t> Commit, Pull, </a:t>
+            </a:r>
+            <a:r>
+              <a:rPr lang="en-US" altLang="ko-KR" sz="2000" b="1" dirty="0" smtClean="0">
+                <a:solidFill>
+                  <a:schemeClr val="tx1"/>
+                </a:solidFill>
+              </a:rPr>
+              <a:t>Push (Git</a:t>
+            </a:r>
+            <a:r>
+              <a:rPr lang="en-US" altLang="ko-KR" sz="2000" b="1" dirty="0" smtClean="0">
+                <a:solidFill>
+                  <a:schemeClr val="tx1"/>
+                </a:solidFill>
+              </a:rPr>
+              <a:t>Hub</a:t>
+            </a:r>
+            <a:r>
+              <a:rPr lang="ko-KR" altLang="en-US" sz="2000" b="1" dirty="0">
+                <a:solidFill>
+                  <a:schemeClr val="tx1"/>
+                </a:solidFill>
+              </a:rPr>
+              <a:t> </a:t>
+            </a:r>
+            <a:r>
+              <a:rPr lang="en-US" altLang="ko-KR" sz="2000" b="1" dirty="0" smtClean="0">
+                <a:solidFill>
+                  <a:schemeClr val="tx1"/>
+                </a:solidFill>
+              </a:rPr>
+              <a:t>Upload, Download)</a:t>
             </a:r>
             <a:endParaRPr lang="ko-KR" altLang="en-US" sz="2000" b="1" dirty="0" smtClean="0">
               <a:solidFill>
@@ -3756,11 +5000,15 @@
             </a:r>
             <a:r>
               <a:rPr lang="ko-KR" altLang="en-US" sz="1600" dirty="0" smtClean="0"/>
-              <a:t>올려진 파일 다운로드</a:t>
-            </a:r>
-            <a:r>
-              <a:rPr lang="en-US" altLang="ko-KR" sz="1600" dirty="0" smtClean="0"/>
-              <a:t>, </a:t>
+              <a:t>올려진 파일 </a:t>
+            </a:r>
+            <a:r>
+              <a:rPr lang="ko-KR" altLang="en-US" sz="1600" dirty="0" smtClean="0"/>
+              <a:t>다운로드 </a:t>
+            </a:r>
+            <a:r>
+              <a:rPr lang="en-US" altLang="ko-KR" sz="1600" dirty="0" smtClean="0"/>
+              <a:t>/ </a:t>
             </a:r>
             <a:r>
               <a:rPr lang="ko-KR" altLang="en-US" sz="1600" dirty="0" err="1" smtClean="0"/>
